--- a/PPT/FITPRO.pptx
+++ b/PPT/FITPRO.pptx
@@ -218,7 +218,7 @@
           <a:p>
             <a:fld id="{7487ADD9-2083-264C-A652-8D52D02F7E72}" type="datetimeFigureOut">
               <a:rPr lang="en-US" smtClean="0"/>
-              <a:t>5/13/2023</a:t>
+              <a:t>5/18/2023</a:t>
             </a:fld>
             <a:endParaRPr lang="en-US" dirty="0"/>
           </a:p>
@@ -1875,7 +1875,7 @@
             <a:fld id="{5F02DCD1-2C6B-F948-9F72-3BB0CF3D512E}" type="datetime1">
               <a:rPr lang="en-US" smtClean="0"/>
               <a:pPr/>
-              <a:t>5/13/2023</a:t>
+              <a:t>5/18/2023</a:t>
             </a:fld>
             <a:endParaRPr lang="en-US" dirty="0"/>
           </a:p>
@@ -2760,7 +2760,7 @@
             <a:fld id="{C1583C39-01BF-7F43-854C-FBB4E9AB6B0C}" type="datetime1">
               <a:rPr lang="en-US" smtClean="0"/>
               <a:pPr/>
-              <a:t>5/13/2023</a:t>
+              <a:t>5/18/2023</a:t>
             </a:fld>
             <a:endParaRPr lang="en-US" dirty="0"/>
           </a:p>
@@ -3937,7 +3937,7 @@
             <a:fld id="{4B103E64-1627-9140-8127-1849FED275E1}" type="datetime1">
               <a:rPr lang="en-US" smtClean="0"/>
               <a:pPr/>
-              <a:t>5/13/2023</a:t>
+              <a:t>5/18/2023</a:t>
             </a:fld>
             <a:endParaRPr lang="en-US" dirty="0"/>
           </a:p>
@@ -6017,7 +6017,7 @@
             <a:fld id="{DD9C8446-696E-6942-B6C8-CC9CAD0B34E0}" type="datetime1">
               <a:rPr lang="en-US" smtClean="0"/>
               <a:pPr/>
-              <a:t>5/13/2023</a:t>
+              <a:t>5/18/2023</a:t>
             </a:fld>
             <a:endParaRPr lang="en-US" dirty="0"/>
           </a:p>
@@ -6735,7 +6735,7 @@
             <a:fld id="{F5592931-05C6-8543-8B6E-A8BD29BD5C2B}" type="datetime1">
               <a:rPr lang="en-US" smtClean="0"/>
               <a:pPr/>
-              <a:t>5/13/2023</a:t>
+              <a:t>5/18/2023</a:t>
             </a:fld>
             <a:endParaRPr lang="en-US" dirty="0"/>
           </a:p>
@@ -7963,7 +7963,7 @@
             <a:fld id="{7E7AB22C-8B7E-9B4A-8C65-396C3C874D86}" type="datetime1">
               <a:rPr lang="en-US" smtClean="0"/>
               <a:pPr/>
-              <a:t>5/13/2023</a:t>
+              <a:t>5/18/2023</a:t>
             </a:fld>
             <a:endParaRPr lang="en-US" dirty="0"/>
           </a:p>
@@ -8555,7 +8555,7 @@
             <a:fld id="{8CE9AC2A-20AD-8C48-B5EB-B5322BDBCDEE}" type="datetime1">
               <a:rPr lang="en-US" smtClean="0"/>
               <a:pPr/>
-              <a:t>5/13/2023</a:t>
+              <a:t>5/18/2023</a:t>
             </a:fld>
             <a:endParaRPr lang="en-US" dirty="0"/>
           </a:p>
@@ -9028,7 +9028,7 @@
             <a:fld id="{4CF75428-5BE0-934D-BB71-675F8E23A386}" type="datetime1">
               <a:rPr lang="en-US" smtClean="0"/>
               <a:pPr/>
-              <a:t>5/13/2023</a:t>
+              <a:t>5/18/2023</a:t>
             </a:fld>
             <a:endParaRPr lang="en-US" dirty="0"/>
           </a:p>
@@ -9878,7 +9878,7 @@
             <a:fld id="{9A85C5CA-AE29-AB4C-8F85-0373C72001D8}" type="datetime1">
               <a:rPr lang="en-US" smtClean="0"/>
               <a:pPr/>
-              <a:t>5/13/2023</a:t>
+              <a:t>5/18/2023</a:t>
             </a:fld>
             <a:endParaRPr lang="en-US" dirty="0"/>
           </a:p>
@@ -12103,7 +12103,7 @@
             <a:fld id="{75594855-01E8-5A4B-B2B8-E2ECEF879100}" type="datetime1">
               <a:rPr lang="en-US" smtClean="0"/>
               <a:pPr/>
-              <a:t>5/13/2023</a:t>
+              <a:t>5/18/2023</a:t>
             </a:fld>
             <a:endParaRPr lang="en-US" dirty="0"/>
           </a:p>
@@ -12372,7 +12372,7 @@
             <a:fld id="{B562DF68-3089-814D-8A14-C651FE91885E}" type="datetime1">
               <a:rPr lang="en-US" smtClean="0"/>
               <a:pPr/>
-              <a:t>5/13/2023</a:t>
+              <a:t>5/18/2023</a:t>
             </a:fld>
             <a:endParaRPr lang="en-US" dirty="0"/>
           </a:p>
@@ -13240,7 +13240,7 @@
             <a:fld id="{E1707CF3-9BC4-A745-ACDA-A73543D800FE}" type="datetime1">
               <a:rPr lang="en-US" smtClean="0"/>
               <a:pPr/>
-              <a:t>5/13/2023</a:t>
+              <a:t>5/18/2023</a:t>
             </a:fld>
             <a:endParaRPr lang="en-US" dirty="0"/>
           </a:p>
@@ -13506,7 +13506,7 @@
             <a:fld id="{E1707CF3-9BC4-A745-ACDA-A73543D800FE}" type="datetime1">
               <a:rPr lang="en-US" smtClean="0"/>
               <a:pPr/>
-              <a:t>5/13/2023</a:t>
+              <a:t>5/18/2023</a:t>
             </a:fld>
             <a:endParaRPr lang="en-US" dirty="0"/>
           </a:p>
@@ -13603,6 +13603,36 @@
           <a:xfrm>
             <a:off x="6096000" y="2793147"/>
             <a:ext cx="5889762" cy="3045204"/>
+          </a:xfrm>
+          <a:prstGeom prst="rect">
+            <a:avLst/>
+          </a:prstGeom>
+        </p:spPr>
+      </p:pic>
+      <p:pic>
+        <p:nvPicPr>
+          <p:cNvPr id="9" name="Picture 8">
+            <a:extLst>
+              <a:ext uri="{FF2B5EF4-FFF2-40B4-BE49-F238E27FC236}">
+                <a16:creationId xmlns:a16="http://schemas.microsoft.com/office/drawing/2014/main" id="{B78E1D99-B86E-3736-D4F8-37B1A39CAE92}"/>
+              </a:ext>
+            </a:extLst>
+          </p:cNvPr>
+          <p:cNvPicPr>
+            <a:picLocks noChangeAspect="1"/>
+          </p:cNvPicPr>
+          <p:nvPr/>
+        </p:nvPicPr>
+        <p:blipFill>
+          <a:blip r:embed="rId3"/>
+          <a:stretch>
+            <a:fillRect/>
+          </a:stretch>
+        </p:blipFill>
+        <p:spPr>
+          <a:xfrm>
+            <a:off x="6096000" y="2597506"/>
+            <a:ext cx="5889762" cy="3436483"/>
           </a:xfrm>
           <a:prstGeom prst="rect">
             <a:avLst/>
@@ -13778,7 +13808,7 @@
             <a:fld id="{E1707CF3-9BC4-A745-ACDA-A73543D800FE}" type="datetime1">
               <a:rPr lang="en-US" smtClean="0"/>
               <a:pPr/>
-              <a:t>5/13/2023</a:t>
+              <a:t>5/18/2023</a:t>
             </a:fld>
             <a:endParaRPr lang="en-US" dirty="0"/>
           </a:p>
@@ -13883,10 +13913,10 @@
       </p:pic>
       <p:pic>
         <p:nvPicPr>
-          <p:cNvPr id="10" name="Picture 9">
-            <a:extLst>
-              <a:ext uri="{FF2B5EF4-FFF2-40B4-BE49-F238E27FC236}">
-                <a16:creationId xmlns:a16="http://schemas.microsoft.com/office/drawing/2014/main" id="{C36F39EC-0802-C2F1-D97D-CF5C720209A9}"/>
+          <p:cNvPr id="9" name="Picture 8">
+            <a:extLst>
+              <a:ext uri="{FF2B5EF4-FFF2-40B4-BE49-F238E27FC236}">
+                <a16:creationId xmlns:a16="http://schemas.microsoft.com/office/drawing/2014/main" id="{7E26BE73-40EC-CC11-57BD-53C8BBDC4E57}"/>
               </a:ext>
             </a:extLst>
           </p:cNvPr>
@@ -13903,8 +13933,8 @@
         </p:blipFill>
         <p:spPr>
           <a:xfrm>
-            <a:off x="8746435" y="4313236"/>
-            <a:ext cx="3538331" cy="2043114"/>
+            <a:off x="8153400" y="4090912"/>
+            <a:ext cx="3788466" cy="2448000"/>
           </a:xfrm>
           <a:prstGeom prst="rect">
             <a:avLst/>
@@ -14120,7 +14150,7 @@
             <a:fld id="{E1707CF3-9BC4-A745-ACDA-A73543D800FE}" type="datetime1">
               <a:rPr lang="en-US" smtClean="0"/>
               <a:pPr/>
-              <a:t>5/13/2023</a:t>
+              <a:t>5/18/2023</a:t>
             </a:fld>
             <a:endParaRPr lang="en-US" dirty="0"/>
           </a:p>
@@ -14217,6 +14247,36 @@
           <a:xfrm>
             <a:off x="6362701" y="2828875"/>
             <a:ext cx="5585393" cy="2792697"/>
+          </a:xfrm>
+          <a:prstGeom prst="rect">
+            <a:avLst/>
+          </a:prstGeom>
+        </p:spPr>
+      </p:pic>
+      <p:pic>
+        <p:nvPicPr>
+          <p:cNvPr id="9" name="Picture 8">
+            <a:extLst>
+              <a:ext uri="{FF2B5EF4-FFF2-40B4-BE49-F238E27FC236}">
+                <a16:creationId xmlns:a16="http://schemas.microsoft.com/office/drawing/2014/main" id="{581553FE-C276-CD16-59DD-67909111BAEC}"/>
+              </a:ext>
+            </a:extLst>
+          </p:cNvPr>
+          <p:cNvPicPr>
+            <a:picLocks noChangeAspect="1"/>
+          </p:cNvPicPr>
+          <p:nvPr/>
+        </p:nvPicPr>
+        <p:blipFill>
+          <a:blip r:embed="rId3"/>
+          <a:stretch>
+            <a:fillRect/>
+          </a:stretch>
+        </p:blipFill>
+        <p:spPr>
+          <a:xfrm>
+            <a:off x="6362700" y="2553699"/>
+            <a:ext cx="5585393" cy="3337015"/>
           </a:xfrm>
           <a:prstGeom prst="rect">
             <a:avLst/>
@@ -14360,7 +14420,7 @@
             <a:fld id="{E1707CF3-9BC4-A745-ACDA-A73543D800FE}" type="datetime1">
               <a:rPr lang="en-US" smtClean="0"/>
               <a:pPr/>
-              <a:t>5/13/2023</a:t>
+              <a:t>5/18/2023</a:t>
             </a:fld>
             <a:endParaRPr lang="en-US" dirty="0"/>
           </a:p>
@@ -14686,7 +14746,7 @@
             <a:fld id="{E1707CF3-9BC4-A745-ACDA-A73543D800FE}" type="datetime1">
               <a:rPr lang="en-US" smtClean="0"/>
               <a:pPr/>
-              <a:t>5/13/2023</a:t>
+              <a:t>5/18/2023</a:t>
             </a:fld>
             <a:endParaRPr lang="en-US" dirty="0"/>
           </a:p>
@@ -14986,7 +15046,7 @@
             <a:fld id="{E1707CF3-9BC4-A745-ACDA-A73543D800FE}" type="datetime1">
               <a:rPr lang="en-US" smtClean="0"/>
               <a:pPr/>
-              <a:t>5/13/2023</a:t>
+              <a:t>5/18/2023</a:t>
             </a:fld>
             <a:endParaRPr lang="en-US" dirty="0"/>
           </a:p>
@@ -15062,10 +15122,10 @@
       </p:sp>
       <p:pic>
         <p:nvPicPr>
-          <p:cNvPr id="8" name="Picture 7">
-            <a:extLst>
-              <a:ext uri="{FF2B5EF4-FFF2-40B4-BE49-F238E27FC236}">
-                <a16:creationId xmlns:a16="http://schemas.microsoft.com/office/drawing/2014/main" id="{53F4703B-A70A-7317-B624-5C5F46EA8E20}"/>
+          <p:cNvPr id="11" name="Picture 10">
+            <a:extLst>
+              <a:ext uri="{FF2B5EF4-FFF2-40B4-BE49-F238E27FC236}">
+                <a16:creationId xmlns:a16="http://schemas.microsoft.com/office/drawing/2014/main" id="{3193BE4E-B995-D34B-4963-1E578E35402D}"/>
               </a:ext>
             </a:extLst>
           </p:cNvPr>
@@ -15082,8 +15142,8 @@
         </p:blipFill>
         <p:spPr>
           <a:xfrm>
-            <a:off x="8429299" y="3582460"/>
-            <a:ext cx="3572374" cy="2993163"/>
+            <a:off x="6609994" y="2431342"/>
+            <a:ext cx="3834449" cy="2411261"/>
           </a:xfrm>
           <a:prstGeom prst="rect">
             <a:avLst/>
@@ -15092,10 +15152,10 @@
       </p:pic>
       <p:pic>
         <p:nvPicPr>
-          <p:cNvPr id="11" name="Picture 10">
-            <a:extLst>
-              <a:ext uri="{FF2B5EF4-FFF2-40B4-BE49-F238E27FC236}">
-                <a16:creationId xmlns:a16="http://schemas.microsoft.com/office/drawing/2014/main" id="{3193BE4E-B995-D34B-4963-1E578E35402D}"/>
+          <p:cNvPr id="9" name="Picture 8">
+            <a:extLst>
+              <a:ext uri="{FF2B5EF4-FFF2-40B4-BE49-F238E27FC236}">
+                <a16:creationId xmlns:a16="http://schemas.microsoft.com/office/drawing/2014/main" id="{93F86B1B-BA86-CB59-3B9B-DF4650BA2637}"/>
               </a:ext>
             </a:extLst>
           </p:cNvPr>
@@ -15112,8 +15172,8 @@
         </p:blipFill>
         <p:spPr>
           <a:xfrm>
-            <a:off x="6512074" y="2434952"/>
-            <a:ext cx="3834449" cy="2411261"/>
+            <a:off x="7696200" y="4081907"/>
+            <a:ext cx="4190882" cy="2274443"/>
           </a:xfrm>
           <a:prstGeom prst="rect">
             <a:avLst/>
@@ -15206,7 +15266,7 @@
           <a:p>
             <a:fld id="{79C497D8-AFA6-424B-9876-402B886244CF}" type="datetime1">
               <a:rPr lang="en-US" smtClean="0"/>
-              <a:t>5/13/2023</a:t>
+              <a:t>5/18/2023</a:t>
             </a:fld>
             <a:endParaRPr lang="en-US" dirty="0"/>
           </a:p>
@@ -15937,6 +15997,25 @@
 </file>
 
 <file path=customXml/item1.xml><?xml version="1.0" encoding="utf-8"?>
+<p:properties xmlns:p="http://schemas.microsoft.com/office/2006/metadata/properties" xmlns:xsi="http://www.w3.org/2001/XMLSchema-instance" xmlns:pc="http://schemas.microsoft.com/office/infopath/2007/PartnerControls">
+  <documentManagement>
+    <_ip_UnifiedCompliancePolicyUIAction xmlns="http://schemas.microsoft.com/sharepoint/v3" xsi:nil="true"/>
+    <Image xmlns="71af3243-3dd4-4a8d-8c0d-dd76da1f02a5">
+      <Url xsi:nil="true"/>
+      <Description xsi:nil="true"/>
+    </Image>
+    <Status xmlns="71af3243-3dd4-4a8d-8c0d-dd76da1f02a5">Not started</Status>
+    <_ip_UnifiedCompliancePolicyProperties xmlns="http://schemas.microsoft.com/sharepoint/v3" xsi:nil="true"/>
+    <ImageTagsTaxHTField xmlns="71af3243-3dd4-4a8d-8c0d-dd76da1f02a5">
+      <Terms xmlns="http://schemas.microsoft.com/office/infopath/2007/PartnerControls"/>
+    </ImageTagsTaxHTField>
+    <TaxCatchAll xmlns="230e9df3-be65-4c73-a93b-d1236ebd677e"/>
+    <MediaServiceKeyPoints xmlns="71af3243-3dd4-4a8d-8c0d-dd76da1f02a5" xsi:nil="true"/>
+  </documentManagement>
+</p:properties>
+</file>
+
+<file path=customXml/item2.xml><?xml version="1.0" encoding="utf-8"?>
 <ct:contentTypeSchema xmlns:ct="http://schemas.microsoft.com/office/2006/metadata/contentType" xmlns:ma="http://schemas.microsoft.com/office/2006/metadata/properties/metaAttributes" ct:_="" ma:_="" ma:contentTypeName="Document" ma:contentTypeID="0x01010079F111ED35F8CC479449609E8A0923A6" ma:contentTypeVersion="21" ma:contentTypeDescription="Create a new document." ma:contentTypeScope="" ma:versionID="64dfb1555687e0874b4304b796b5b0c7">
   <xsd:schema xmlns:xsd="http://www.w3.org/2001/XMLSchema" xmlns:xs="http://www.w3.org/2001/XMLSchema" xmlns:p="http://schemas.microsoft.com/office/2006/metadata/properties" xmlns:ns1="http://schemas.microsoft.com/sharepoint/v3" xmlns:ns2="71af3243-3dd4-4a8d-8c0d-dd76da1f02a5" xmlns:ns3="16c05727-aa75-4e4a-9b5f-8a80a1165891" xmlns:ns4="230e9df3-be65-4c73-a93b-d1236ebd677e" targetNamespace="http://schemas.microsoft.com/office/2006/metadata/properties" ma:root="true" ma:fieldsID="e6e4c555b5e194d05b7203de9c4567b3" ns1:_="" ns2:_="" ns3:_="" ns4:_="">
     <xsd:import namespace="http://schemas.microsoft.com/sharepoint/v3"/>
@@ -16218,25 +16297,6 @@
 </ct:contentTypeSchema>
 </file>
 
-<file path=customXml/item2.xml><?xml version="1.0" encoding="utf-8"?>
-<p:properties xmlns:p="http://schemas.microsoft.com/office/2006/metadata/properties" xmlns:xsi="http://www.w3.org/2001/XMLSchema-instance" xmlns:pc="http://schemas.microsoft.com/office/infopath/2007/PartnerControls">
-  <documentManagement>
-    <_ip_UnifiedCompliancePolicyUIAction xmlns="http://schemas.microsoft.com/sharepoint/v3" xsi:nil="true"/>
-    <Image xmlns="71af3243-3dd4-4a8d-8c0d-dd76da1f02a5">
-      <Url xsi:nil="true"/>
-      <Description xsi:nil="true"/>
-    </Image>
-    <Status xmlns="71af3243-3dd4-4a8d-8c0d-dd76da1f02a5">Not started</Status>
-    <_ip_UnifiedCompliancePolicyProperties xmlns="http://schemas.microsoft.com/sharepoint/v3" xsi:nil="true"/>
-    <ImageTagsTaxHTField xmlns="71af3243-3dd4-4a8d-8c0d-dd76da1f02a5">
-      <Terms xmlns="http://schemas.microsoft.com/office/infopath/2007/PartnerControls"/>
-    </ImageTagsTaxHTField>
-    <TaxCatchAll xmlns="230e9df3-be65-4c73-a93b-d1236ebd677e"/>
-    <MediaServiceKeyPoints xmlns="71af3243-3dd4-4a8d-8c0d-dd76da1f02a5" xsi:nil="true"/>
-  </documentManagement>
-</p:properties>
-</file>
-
 <file path=customXml/item3.xml><?xml version="1.0" encoding="utf-8"?>
 <?mso-contentType ?>
 <FormTemplates xmlns="http://schemas.microsoft.com/sharepoint/v3/contenttype/forms">
@@ -16247,6 +16307,18 @@
 </file>
 
 <file path=customXml/itemProps1.xml><?xml version="1.0" encoding="utf-8"?>
+<ds:datastoreItem xmlns:ds="http://schemas.openxmlformats.org/officeDocument/2006/customXml" ds:itemID="{4D5BAB77-79E1-4739-AA51-10C9079186D6}">
+  <ds:schemaRefs>
+    <ds:schemaRef ds:uri="http://schemas.microsoft.com/office/2006/metadata/properties"/>
+    <ds:schemaRef ds:uri="http://schemas.microsoft.com/office/infopath/2007/PartnerControls"/>
+    <ds:schemaRef ds:uri="http://schemas.microsoft.com/sharepoint/v3"/>
+    <ds:schemaRef ds:uri="71af3243-3dd4-4a8d-8c0d-dd76da1f02a5"/>
+    <ds:schemaRef ds:uri="230e9df3-be65-4c73-a93b-d1236ebd677e"/>
+  </ds:schemaRefs>
+</ds:datastoreItem>
+</file>
+
+<file path=customXml/itemProps2.xml><?xml version="1.0" encoding="utf-8"?>
 <ds:datastoreItem xmlns:ds="http://schemas.openxmlformats.org/officeDocument/2006/customXml" ds:itemID="{4A615295-94F6-4CE2-A1B1-6B7E1DAA5AD6}">
   <ds:schemaRefs>
     <ds:schemaRef ds:uri="http://schemas.microsoft.com/office/2006/metadata/contentType"/>
@@ -16267,18 +16339,6 @@
 </ds:datastoreItem>
 </file>
 
-<file path=customXml/itemProps2.xml><?xml version="1.0" encoding="utf-8"?>
-<ds:datastoreItem xmlns:ds="http://schemas.openxmlformats.org/officeDocument/2006/customXml" ds:itemID="{4D5BAB77-79E1-4739-AA51-10C9079186D6}">
-  <ds:schemaRefs>
-    <ds:schemaRef ds:uri="http://schemas.microsoft.com/office/2006/metadata/properties"/>
-    <ds:schemaRef ds:uri="http://schemas.microsoft.com/office/infopath/2007/PartnerControls"/>
-    <ds:schemaRef ds:uri="http://schemas.microsoft.com/sharepoint/v3"/>
-    <ds:schemaRef ds:uri="71af3243-3dd4-4a8d-8c0d-dd76da1f02a5"/>
-    <ds:schemaRef ds:uri="230e9df3-be65-4c73-a93b-d1236ebd677e"/>
-  </ds:schemaRefs>
-</ds:datastoreItem>
-</file>
-
 <file path=customXml/itemProps3.xml><?xml version="1.0" encoding="utf-8"?>
 <ds:datastoreItem xmlns:ds="http://schemas.openxmlformats.org/officeDocument/2006/customXml" ds:itemID="{85334180-0405-413B-834A-44FA9E05ADB7}">
   <ds:schemaRefs>
